--- a/LC/LC 20 Détermination de constantes d’équilibre (CPGE)/LC 20_diapo.pptx
+++ b/LC/LC 20 Détermination de constantes d’équilibre (CPGE)/LC 20_diapo.pptx
@@ -200,7 +200,7 @@
           <a:p>
             <a:fld id="{8AF2F01C-BC14-4F81-87AE-D5D26E359E8E}" type="datetimeFigureOut">
               <a:rPr lang="fr-FR" smtClean="0"/>
-              <a:t>2020-04-21</a:t>
+              <a:t>2020-04-29</a:t>
             </a:fld>
             <a:endParaRPr lang="fr-FR"/>
           </a:p>
@@ -693,7 +693,7 @@
           <a:p>
             <a:fld id="{5A069CB8-F204-4D06-B913-C5A26A89888A}" type="datetimeFigureOut">
               <a:rPr lang="en-US" dirty="0"/>
-              <a:t>4/21/2020</a:t>
+              <a:t>4/29/2020</a:t>
             </a:fld>
             <a:endParaRPr lang="en-US" dirty="0"/>
           </a:p>
@@ -909,7 +909,7 @@
           <a:p>
             <a:fld id="{F45CC754-28B9-41E4-AE10-BE433397311B}" type="datetime1">
               <a:rPr lang="fr-FR" smtClean="0"/>
-              <a:t>2020-04-21</a:t>
+              <a:t>2020-04-29</a:t>
             </a:fld>
             <a:endParaRPr lang="fr-FR"/>
           </a:p>
@@ -1168,7 +1168,7 @@
           <a:p>
             <a:fld id="{97BA81CE-1004-4FD8-A91E-F417EDBE9258}" type="datetime1">
               <a:rPr lang="fr-FR" smtClean="0"/>
-              <a:t>2020-04-21</a:t>
+              <a:t>2020-04-29</a:t>
             </a:fld>
             <a:endParaRPr lang="fr-FR"/>
           </a:p>
@@ -1341,7 +1341,7 @@
           <a:p>
             <a:fld id="{D30BB376-B19C-488D-ABEB-03C7E6E9E3E0}" type="datetimeFigureOut">
               <a:rPr lang="en-US" dirty="0"/>
-              <a:t>4/21/2020</a:t>
+              <a:t>4/29/2020</a:t>
             </a:fld>
             <a:endParaRPr lang="en-US" dirty="0"/>
           </a:p>
@@ -1687,7 +1687,7 @@
           <a:p>
             <a:fld id="{5FC147B3-5A91-453A-92FD-677E850FA3A5}" type="datetime1">
               <a:rPr lang="fr-FR" smtClean="0"/>
-              <a:t>2020-04-21</a:t>
+              <a:t>2020-04-29</a:t>
             </a:fld>
             <a:endParaRPr lang="fr-FR"/>
           </a:p>
@@ -1965,7 +1965,7 @@
           <a:p>
             <a:fld id="{4E30384B-D365-439B-B9FB-A10B3FA0B79A}" type="datetime1">
               <a:rPr lang="fr-FR" smtClean="0"/>
-              <a:t>2020-04-21</a:t>
+              <a:t>2020-04-29</a:t>
             </a:fld>
             <a:endParaRPr lang="fr-FR"/>
           </a:p>
@@ -2347,7 +2347,7 @@
           <a:p>
             <a:fld id="{41577B8B-BEB2-49C1-8BB4-8D396D554AA6}" type="datetime1">
               <a:rPr lang="fr-FR" smtClean="0"/>
-              <a:t>2020-04-21</a:t>
+              <a:t>2020-04-29</a:t>
             </a:fld>
             <a:endParaRPr lang="fr-FR"/>
           </a:p>
@@ -2468,7 +2468,7 @@
           <a:p>
             <a:fld id="{62253237-6937-4077-8416-FFF866A41361}" type="datetime1">
               <a:rPr lang="fr-FR" smtClean="0"/>
-              <a:t>2020-04-21</a:t>
+              <a:t>2020-04-29</a:t>
             </a:fld>
             <a:endParaRPr lang="fr-FR"/>
           </a:p>
@@ -2642,7 +2642,7 @@
           <a:p>
             <a:fld id="{F18CE37A-26D6-4DCD-AF35-3F127425D5BF}" type="datetime1">
               <a:rPr lang="fr-FR" smtClean="0"/>
-              <a:t>2020-04-21</a:t>
+              <a:t>2020-04-29</a:t>
             </a:fld>
             <a:endParaRPr lang="fr-FR"/>
           </a:p>
@@ -2999,7 +2999,7 @@
           <a:p>
             <a:fld id="{FF45A67E-4DF6-4C8F-B8DA-2D1171F57B74}" type="datetime1">
               <a:rPr lang="fr-FR" smtClean="0"/>
-              <a:t>2020-04-21</a:t>
+              <a:t>2020-04-29</a:t>
             </a:fld>
             <a:endParaRPr lang="fr-FR"/>
           </a:p>
@@ -3379,7 +3379,7 @@
           <a:p>
             <a:fld id="{8B64F725-0123-4CE3-85B9-619490EE40F6}" type="datetime1">
               <a:rPr lang="fr-FR" smtClean="0"/>
-              <a:t>2020-04-21</a:t>
+              <a:t>2020-04-29</a:t>
             </a:fld>
             <a:endParaRPr lang="fr-FR"/>
           </a:p>
@@ -3669,7 +3669,7 @@
           <a:p>
             <a:fld id="{763DEDF1-3E42-46F1-803C-3F81A5B34212}" type="datetime1">
               <a:rPr lang="fr-FR" smtClean="0"/>
-              <a:t>2020-04-21</a:t>
+              <a:t>2020-04-29</a:t>
             </a:fld>
             <a:endParaRPr lang="fr-FR"/>
           </a:p>
@@ -4832,8 +4832,8 @@
                 </a:prstGeom>
                 <a:solidFill>
                   <a:schemeClr val="accent6">
-                    <a:lumMod val="60000"/>
-                    <a:lumOff val="40000"/>
+                    <a:lumMod val="20000"/>
+                    <a:lumOff val="80000"/>
                     <a:alpha val="50000"/>
                   </a:schemeClr>
                 </a:solidFill>
@@ -8162,8 +8162,8 @@
           </a:fontRef>
         </p:style>
       </p:cxnSp>
-      <mc:AlternateContent xmlns:mc="http://schemas.openxmlformats.org/markup-compatibility/2006">
-        <mc:Choice xmlns:a14="http://schemas.microsoft.com/office/drawing/2010/main" Requires="a14">
+      <mc:AlternateContent xmlns:mc="http://schemas.openxmlformats.org/markup-compatibility/2006" xmlns:a14="http://schemas.microsoft.com/office/drawing/2010/main">
+        <mc:Choice Requires="a14">
           <p:sp>
             <p:nvSpPr>
               <p:cNvPr id="56" name="Rectangle 55">
@@ -8249,7 +8249,7 @@
             </p:txBody>
           </p:sp>
         </mc:Choice>
-        <mc:Fallback>
+        <mc:Fallback xmlns="">
           <p:sp>
             <p:nvSpPr>
               <p:cNvPr id="56" name="Rectangle 55">
@@ -8449,6 +8449,76 @@
           </p:sp>
         </mc:Fallback>
       </mc:AlternateContent>
+      <p:sp>
+        <p:nvSpPr>
+          <p:cNvPr id="3" name="ZoneTexte 2">
+            <a:extLst>
+              <a:ext uri="{FF2B5EF4-FFF2-40B4-BE49-F238E27FC236}">
+                <a16:creationId xmlns:a16="http://schemas.microsoft.com/office/drawing/2014/main" id="{D315F279-65EB-4758-9A8F-C3CCE516E8B9}"/>
+              </a:ext>
+            </a:extLst>
+          </p:cNvPr>
+          <p:cNvSpPr txBox="1"/>
+          <p:nvPr/>
+        </p:nvSpPr>
+        <p:spPr>
+          <a:xfrm>
+            <a:off x="5666097" y="1646061"/>
+            <a:ext cx="477996" cy="461665"/>
+          </a:xfrm>
+          <a:prstGeom prst="rect">
+            <a:avLst/>
+          </a:prstGeom>
+          <a:noFill/>
+        </p:spPr>
+        <p:txBody>
+          <a:bodyPr wrap="square" rtlCol="0">
+            <a:spAutoFit/>
+          </a:bodyPr>
+          <a:lstStyle/>
+          <a:p>
+            <a:r>
+              <a:rPr lang="fr-FR" sz="2400" b="1" dirty="0"/>
+              <a:t>+</a:t>
+            </a:r>
+          </a:p>
+        </p:txBody>
+      </p:sp>
+      <p:sp>
+        <p:nvSpPr>
+          <p:cNvPr id="54" name="ZoneTexte 53">
+            <a:extLst>
+              <a:ext uri="{FF2B5EF4-FFF2-40B4-BE49-F238E27FC236}">
+                <a16:creationId xmlns:a16="http://schemas.microsoft.com/office/drawing/2014/main" id="{074CCC49-4286-47E8-8F42-645D5541A5D2}"/>
+              </a:ext>
+            </a:extLst>
+          </p:cNvPr>
+          <p:cNvSpPr txBox="1"/>
+          <p:nvPr/>
+        </p:nvSpPr>
+        <p:spPr>
+          <a:xfrm>
+            <a:off x="4560101" y="1588657"/>
+            <a:ext cx="477996" cy="461665"/>
+          </a:xfrm>
+          <a:prstGeom prst="rect">
+            <a:avLst/>
+          </a:prstGeom>
+          <a:noFill/>
+        </p:spPr>
+        <p:txBody>
+          <a:bodyPr wrap="square" rtlCol="0">
+            <a:spAutoFit/>
+          </a:bodyPr>
+          <a:lstStyle/>
+          <a:p>
+            <a:r>
+              <a:rPr lang="fr-FR" sz="2400" b="1" dirty="0"/>
+              <a:t>-</a:t>
+            </a:r>
+          </a:p>
+        </p:txBody>
+      </p:sp>
     </p:spTree>
     <p:extLst>
       <p:ext uri="{BB962C8B-B14F-4D97-AF65-F5344CB8AC3E}">
